--- a/util/MODELO APRESENTAÇÃO - TÓPICOS INTEGRADORES.pptx
+++ b/util/MODELO APRESENTAÇÃO - TÓPICOS INTEGRADORES.pptx
@@ -169,6 +169,7 @@
 <file path=ppt/revisionInfo.xml><?xml version="1.0" encoding="utf-8"?>
 <p1510:revInfo xmlns:a="http://schemas.openxmlformats.org/drawingml/2006/main" xmlns:r="http://schemas.openxmlformats.org/officeDocument/2006/relationships" xmlns:p1510="http://schemas.microsoft.com/office/powerpoint/2015/10/main">
   <p1510:revLst>
+    <p1510:client id="{071F40C1-6DA3-6F10-FA94-4621D6BB8D56}" v="7" dt="2025-10-10T10:43:40.055"/>
     <p1510:client id="{B510DEB3-4A70-3DEF-FC72-9AB37CA0F29B}" v="27" dt="2025-10-09T19:25:13"/>
   </p1510:revLst>
 </p1510:revInfo>
@@ -5468,7 +5469,7 @@
               <a:pPr>
                 <a:defRPr/>
               </a:pPr>
-              <a:t>09/10/2025</a:t>
+              <a:t>10/10/2025</a:t>
             </a:fld>
             <a:endParaRPr lang="es-ES"/>
           </a:p>
@@ -6391,7 +6392,7 @@
               <a:pPr>
                 <a:defRPr/>
               </a:pPr>
-              <a:t>09/10/2025 12:20</a:t>
+              <a:t>10/10/2025 3:40</a:t>
             </a:fld>
             <a:endParaRPr lang="es-ES"/>
           </a:p>
@@ -6609,7 +6610,7 @@
               <a:pPr>
                 <a:defRPr/>
               </a:pPr>
-              <a:t>09/10/2025 12:20</a:t>
+              <a:t>10/10/2025 3:40</a:t>
             </a:fld>
             <a:endParaRPr lang="es-ES"/>
           </a:p>
@@ -6983,7 +6984,7 @@
               <a:pPr>
                 <a:defRPr/>
               </a:pPr>
-              <a:t>09/10/2025 12:20</a:t>
+              <a:t>10/10/2025 3:40</a:t>
             </a:fld>
             <a:endParaRPr lang="es-ES"/>
           </a:p>
@@ -7203,7 +7204,7 @@
               <a:pPr>
                 <a:defRPr/>
               </a:pPr>
-              <a:t>09/10/2025 12:20</a:t>
+              <a:t>10/10/2025 3:40</a:t>
             </a:fld>
             <a:endParaRPr lang="es-ES"/>
           </a:p>
@@ -7613,7 +7614,7 @@
               <a:pPr>
                 <a:defRPr/>
               </a:pPr>
-              <a:t>09/10/2025 12:20</a:t>
+              <a:t>10/10/2025 3:40</a:t>
             </a:fld>
             <a:endParaRPr lang="es-ES"/>
           </a:p>
@@ -7886,7 +7887,7 @@
               <a:pPr>
                 <a:defRPr/>
               </a:pPr>
-              <a:t>09/10/2025 12:20</a:t>
+              <a:t>10/10/2025 3:40</a:t>
             </a:fld>
             <a:endParaRPr lang="es-ES"/>
           </a:p>
@@ -8239,7 +8240,7 @@
               <a:pPr>
                 <a:defRPr/>
               </a:pPr>
-              <a:t>09/10/2025 12:20</a:t>
+              <a:t>10/10/2025 3:40</a:t>
             </a:fld>
             <a:endParaRPr lang="es-ES"/>
           </a:p>
@@ -8387,7 +8388,7 @@
               <a:pPr>
                 <a:defRPr/>
               </a:pPr>
-              <a:t>09/10/2025 12:20</a:t>
+              <a:t>10/10/2025 3:40</a:t>
             </a:fld>
             <a:endParaRPr lang="es-ES"/>
           </a:p>
@@ -8512,7 +8513,7 @@
               <a:pPr>
                 <a:defRPr/>
               </a:pPr>
-              <a:t>09/10/2025 12:20</a:t>
+              <a:t>10/10/2025 3:40</a:t>
             </a:fld>
             <a:endParaRPr lang="es-ES"/>
           </a:p>
@@ -8810,7 +8811,7 @@
               <a:pPr>
                 <a:defRPr/>
               </a:pPr>
-              <a:t>09/10/2025 12:20</a:t>
+              <a:t>10/10/2025 3:40</a:t>
             </a:fld>
             <a:endParaRPr lang="es-ES"/>
           </a:p>
@@ -9300,7 +9301,7 @@
               <a:pPr>
                 <a:defRPr/>
               </a:pPr>
-              <a:t>09/10/2025 12:20</a:t>
+              <a:t>10/10/2025 3:40</a:t>
             </a:fld>
             <a:endParaRPr lang="es-ES"/>
           </a:p>
@@ -9606,7 +9607,7 @@
               <a:pPr>
                 <a:defRPr/>
               </a:pPr>
-              <a:t>09/10/2025 12:20</a:t>
+              <a:t>10/10/2025 3:40</a:t>
             </a:fld>
             <a:endParaRPr lang="es-ES"/>
           </a:p>
@@ -14110,10 +14111,10 @@
       </p:pic>
       <p:pic>
         <p:nvPicPr>
-          <p:cNvPr id="10" name="Imagem 9" descr="Interface gráfica do usuário, Aplicativo&#10;&#10;O conteúdo gerado por IA pode estar incorreto.">
+          <p:cNvPr id="9" name="Imagem 8" descr="Interface gráfica do usuário, Aplicativo&#10;&#10;O conteúdo gerado por IA pode estar incorreto.">
             <a:extLst>
               <a:ext uri="{FF2B5EF4-FFF2-40B4-BE49-F238E27FC236}">
-                <a16:creationId xmlns:a16="http://schemas.microsoft.com/office/drawing/2014/main" id="{ACB8611B-4456-2A55-2DEA-58C750690513}"/>
+                <a16:creationId xmlns:a16="http://schemas.microsoft.com/office/drawing/2014/main" id="{3134D344-0D6E-18F7-B764-0DEA98EFBF5D}"/>
               </a:ext>
             </a:extLst>
           </p:cNvPr>
@@ -14123,27 +14124,15 @@
           <p:nvPr/>
         </p:nvPicPr>
         <p:blipFill>
-          <a:blip r:embed="rId9">
-            <a:extLst>
-              <a:ext uri="{BEBA8EAE-BF5A-486C-A8C5-ECC9F3942E4B}">
-                <a14:imgProps xmlns:a14="http://schemas.microsoft.com/office/drawing/2010/main">
-                  <a14:imgLayer r:embed="rId10">
-                    <a14:imgEffect>
-                      <a14:saturation sat="104000"/>
-                    </a14:imgEffect>
-                  </a14:imgLayer>
-                </a14:imgProps>
-              </a:ext>
-            </a:extLst>
-          </a:blip>
+          <a:blip r:embed="rId9"/>
           <a:stretch>
             <a:fillRect/>
           </a:stretch>
         </p:blipFill>
         <p:spPr>
           <a:xfrm>
-            <a:off x="0" y="1718514"/>
-            <a:ext cx="9144000" cy="4746467"/>
+            <a:off x="0" y="1713293"/>
+            <a:ext cx="9144000" cy="4329113"/>
           </a:xfrm>
           <a:prstGeom prst="rect">
             <a:avLst/>
@@ -15440,6 +15429,15 @@
 </file>
 
 <file path=customXml/item1.xml><?xml version="1.0" encoding="utf-8"?>
+<?mso-contentType ?>
+<FormTemplates xmlns="http://schemas.microsoft.com/sharepoint/v3/contenttype/forms">
+  <Display>DocumentLibraryForm</Display>
+  <Edit>DocumentLibraryForm</Edit>
+  <New>DocumentLibraryForm</New>
+</FormTemplates>
+</file>
+
+<file path=customXml/item2.xml><?xml version="1.0" encoding="utf-8"?>
 <ct:contentTypeSchema xmlns:ct="http://schemas.microsoft.com/office/2006/metadata/contentType" xmlns:ma="http://schemas.microsoft.com/office/2006/metadata/properties/metaAttributes" ct:_="" ma:_="" ma:contentTypeName="Document" ma:contentTypeID="0x01010096C10FD766D2F5449D6896DE93EC51DF" ma:contentTypeVersion="3" ma:contentTypeDescription="Create a new document." ma:contentTypeScope="" ma:versionID="c294bc32c43b1417dc50f8834fa1ecd4">
   <xsd:schema xmlns:xsd="http://www.w3.org/2001/XMLSchema" xmlns:xs="http://www.w3.org/2001/XMLSchema" xmlns:p="http://schemas.microsoft.com/office/2006/metadata/properties" xmlns:ns2="314424f7-2f0e-4c18-a5f7-c392ab75b191" targetNamespace="http://schemas.microsoft.com/office/2006/metadata/properties" ma:root="true" ma:fieldsID="c7723ac3c058ee1e659e8a0adbf1c40a" ns2:_="">
     <xsd:import namespace="314424f7-2f0e-4c18-a5f7-c392ab75b191"/>
@@ -15577,15 +15575,6 @@
 </ct:contentTypeSchema>
 </file>
 
-<file path=customXml/item2.xml><?xml version="1.0" encoding="utf-8"?>
-<?mso-contentType ?>
-<FormTemplates xmlns="http://schemas.microsoft.com/sharepoint/v3/contenttype/forms">
-  <Display>DocumentLibraryForm</Display>
-  <Edit>DocumentLibraryForm</Edit>
-  <New>DocumentLibraryForm</New>
-</FormTemplates>
-</file>
-
 <file path=customXml/item3.xml><?xml version="1.0" encoding="utf-8"?>
 <p:properties xmlns:p="http://schemas.microsoft.com/office/2006/metadata/properties" xmlns:xsi="http://www.w3.org/2001/XMLSchema-instance" xmlns:pc="http://schemas.microsoft.com/office/infopath/2007/PartnerControls">
   <documentManagement/>
@@ -15593,6 +15582,14 @@
 </file>
 
 <file path=customXml/itemProps1.xml><?xml version="1.0" encoding="utf-8"?>
+<ds:datastoreItem xmlns:ds="http://schemas.openxmlformats.org/officeDocument/2006/customXml" ds:itemID="{C359668D-D91D-4CA4-8537-80515CEAC7B8}">
+  <ds:schemaRefs>
+    <ds:schemaRef ds:uri="http://schemas.microsoft.com/sharepoint/v3/contenttype/forms"/>
+  </ds:schemaRefs>
+</ds:datastoreItem>
+</file>
+
+<file path=customXml/itemProps2.xml><?xml version="1.0" encoding="utf-8"?>
 <ds:datastoreItem xmlns:ds="http://schemas.openxmlformats.org/officeDocument/2006/customXml" ds:itemID="{A03267B0-2BF6-4DE2-96DF-7DF82CF9809A}">
   <ds:schemaRefs>
     <ds:schemaRef ds:uri="314424f7-2f0e-4c18-a5f7-c392ab75b191"/>
@@ -15606,14 +15603,6 @@
     <ds:schemaRef ds:uri="http://schemas.microsoft.com/office/infopath/2007/PartnerControls"/>
     <ds:schemaRef ds:uri="http://schemas.openxmlformats.org/package/2006/metadata/core-properties"/>
     <ds:schemaRef ds:uri="http://www.w3.org/2001/XMLSchema"/>
-  </ds:schemaRefs>
-</ds:datastoreItem>
-</file>
-
-<file path=customXml/itemProps2.xml><?xml version="1.0" encoding="utf-8"?>
-<ds:datastoreItem xmlns:ds="http://schemas.openxmlformats.org/officeDocument/2006/customXml" ds:itemID="{C359668D-D91D-4CA4-8537-80515CEAC7B8}">
-  <ds:schemaRefs>
-    <ds:schemaRef ds:uri="http://schemas.microsoft.com/sharepoint/v3/contenttype/forms"/>
   </ds:schemaRefs>
 </ds:datastoreItem>
 </file>
